--- a/Core Concepts/[Topic 2] Playbook Getting started.pptx
+++ b/Core Concepts/[Topic 2] Playbook Getting started.pptx
@@ -15035,15 +15035,6 @@
 </file>
 
 <file path=customXml/item1.xml><?xml version="1.0" encoding="utf-8"?>
-<?mso-contentType ?>
-<FormTemplates xmlns="http://schemas.microsoft.com/sharepoint/v3/contenttype/forms">
-  <Display>DocumentLibraryForm</Display>
-  <Edit>DocumentLibraryForm</Edit>
-  <New>DocumentLibraryForm</New>
-</FormTemplates>
-</file>
-
-<file path=customXml/item2.xml><?xml version="1.0" encoding="utf-8"?>
 <ct:contentTypeSchema xmlns:ct="http://schemas.microsoft.com/office/2006/metadata/contentType" xmlns:ma="http://schemas.microsoft.com/office/2006/metadata/properties/metaAttributes" ct:_="" ma:_="" ma:contentTypeName="Document" ma:contentTypeID="0x010100C533359BDD75EF4AB8C070518529B512" ma:contentTypeVersion="7" ma:contentTypeDescription="Create a new document." ma:contentTypeScope="" ma:versionID="0d95916ef289e0b2d70c221aa3b7bfab">
   <xsd:schema xmlns:xsd="http://www.w3.org/2001/XMLSchema" xmlns:xs="http://www.w3.org/2001/XMLSchema" xmlns:p="http://schemas.microsoft.com/office/2006/metadata/properties" xmlns:ns3="642eb60d-cc9a-4516-9a20-6ebdc1e20806" targetNamespace="http://schemas.microsoft.com/office/2006/metadata/properties" ma:root="true" ma:fieldsID="9fbfb8a2ea84a443187203af8cecb9e0" ns3:_="">
     <xsd:import namespace="642eb60d-cc9a-4516-9a20-6ebdc1e20806"/>
@@ -15207,21 +15198,22 @@
 </ct:contentTypeSchema>
 </file>
 
-<file path=customXml/item3.xml><?xml version="1.0" encoding="utf-8"?>
+<file path=customXml/item2.xml><?xml version="1.0" encoding="utf-8"?>
 <p:properties xmlns:p="http://schemas.microsoft.com/office/2006/metadata/properties" xmlns:xsi="http://www.w3.org/2001/XMLSchema-instance" xmlns:pc="http://schemas.microsoft.com/office/infopath/2007/PartnerControls">
   <documentManagement/>
 </p:properties>
 </file>
 
-<file path=customXml/itemProps1.xml><?xml version="1.0" encoding="utf-8"?>
-<ds:datastoreItem xmlns:ds="http://schemas.openxmlformats.org/officeDocument/2006/customXml" ds:itemID="{417345C4-7E64-457A-AA9E-BA2136C9346A}">
-  <ds:schemaRefs>
-    <ds:schemaRef ds:uri="http://schemas.microsoft.com/sharepoint/v3/contenttype/forms"/>
-  </ds:schemaRefs>
-</ds:datastoreItem>
+<file path=customXml/item3.xml><?xml version="1.0" encoding="utf-8"?>
+<?mso-contentType ?>
+<FormTemplates xmlns="http://schemas.microsoft.com/sharepoint/v3/contenttype/forms">
+  <Display>DocumentLibraryForm</Display>
+  <Edit>DocumentLibraryForm</Edit>
+  <New>DocumentLibraryForm</New>
+</FormTemplates>
 </file>
 
-<file path=customXml/itemProps2.xml><?xml version="1.0" encoding="utf-8"?>
+<file path=customXml/itemProps1.xml><?xml version="1.0" encoding="utf-8"?>
 <ds:datastoreItem xmlns:ds="http://schemas.openxmlformats.org/officeDocument/2006/customXml" ds:itemID="{0EC0CF20-25C1-439D-BCFD-DF4231179503}">
   <ds:schemaRefs>
     <ds:schemaRef ds:uri="http://schemas.microsoft.com/office/2006/metadata/contentType"/>
@@ -15239,7 +15231,7 @@
 </ds:datastoreItem>
 </file>
 
-<file path=customXml/itemProps3.xml><?xml version="1.0" encoding="utf-8"?>
+<file path=customXml/itemProps2.xml><?xml version="1.0" encoding="utf-8"?>
 <ds:datastoreItem xmlns:ds="http://schemas.openxmlformats.org/officeDocument/2006/customXml" ds:itemID="{789A2961-2029-41AF-87D9-8BAF72D2D5BA}">
   <ds:schemaRefs>
     <ds:schemaRef ds:uri="http://schemas.microsoft.com/office/2006/metadata/properties"/>
@@ -15253,4 +15245,12 @@
     <ds:schemaRef ds:uri="http://purl.org/dc/dcmitype/"/>
   </ds:schemaRefs>
 </ds:datastoreItem>
+</file>
+
+<file path=customXml/itemProps3.xml><?xml version="1.0" encoding="utf-8"?>
+<ds:datastoreItem xmlns:ds="http://schemas.openxmlformats.org/officeDocument/2006/customXml" ds:itemID="{417345C4-7E64-457A-AA9E-BA2136C9346A}">
+  <ds:schemaRefs>
+    <ds:schemaRef ds:uri="http://schemas.microsoft.com/sharepoint/v3/contenttype/forms"/>
+  </ds:schemaRefs>
+</ds:datastoreItem>
 </file>